--- a/Calendario2022/Presentaciones/IR_MediosComunicacion.pptx
+++ b/Calendario2022/Presentaciones/IR_MediosComunicacion.pptx
@@ -235,7 +235,7 @@
           <a:p>
             <a:fld id="{2D445F07-8756-451B-A938-0248325FC7BB}" type="datetimeFigureOut">
               <a:rPr lang="es-MX" smtClean="0"/>
-              <a:t>27/03/2022</a:t>
+              <a:t>01/04/2022</a:t>
             </a:fld>
             <a:endParaRPr lang="es-MX" dirty="0"/>
           </a:p>
@@ -1773,7 +1773,7 @@
           <a:p>
             <a:fld id="{5E75A0DC-66C6-4CEC-A5EB-F8C97CEC3796}" type="datetimeFigureOut">
               <a:rPr lang="es-MX" smtClean="0"/>
-              <a:t>27/03/2022</a:t>
+              <a:t>01/04/2022</a:t>
             </a:fld>
             <a:endParaRPr lang="es-MX" dirty="0"/>
           </a:p>
@@ -1943,7 +1943,7 @@
           <a:p>
             <a:fld id="{5E75A0DC-66C6-4CEC-A5EB-F8C97CEC3796}" type="datetimeFigureOut">
               <a:rPr lang="es-MX" smtClean="0"/>
-              <a:t>27/03/2022</a:t>
+              <a:t>01/04/2022</a:t>
             </a:fld>
             <a:endParaRPr lang="es-MX" dirty="0"/>
           </a:p>
@@ -2123,7 +2123,7 @@
           <a:p>
             <a:fld id="{5E75A0DC-66C6-4CEC-A5EB-F8C97CEC3796}" type="datetimeFigureOut">
               <a:rPr lang="es-MX" smtClean="0"/>
-              <a:t>27/03/2022</a:t>
+              <a:t>01/04/2022</a:t>
             </a:fld>
             <a:endParaRPr lang="es-MX" dirty="0"/>
           </a:p>
@@ -2364,7 +2364,7 @@
           <a:p>
             <a:fld id="{1D8BD707-D9CF-40AE-B4C6-C98DA3205C09}" type="datetimeFigureOut">
               <a:rPr lang="en-US"/>
-              <a:t>3/27/2022</a:t>
+              <a:t>4/1/2022</a:t>
             </a:fld>
             <a:endParaRPr lang="en-US"/>
           </a:p>
@@ -2829,7 +2829,7 @@
           <a:p>
             <a:fld id="{5E75A0DC-66C6-4CEC-A5EB-F8C97CEC3796}" type="datetimeFigureOut">
               <a:rPr lang="es-MX" smtClean="0"/>
-              <a:t>27/03/2022</a:t>
+              <a:t>01/04/2022</a:t>
             </a:fld>
             <a:endParaRPr lang="es-MX" dirty="0"/>
           </a:p>
@@ -3075,7 +3075,7 @@
           <a:p>
             <a:fld id="{5E75A0DC-66C6-4CEC-A5EB-F8C97CEC3796}" type="datetimeFigureOut">
               <a:rPr lang="es-MX" smtClean="0"/>
-              <a:t>27/03/2022</a:t>
+              <a:t>01/04/2022</a:t>
             </a:fld>
             <a:endParaRPr lang="es-MX" dirty="0"/>
           </a:p>
@@ -3363,7 +3363,7 @@
           <a:p>
             <a:fld id="{5E75A0DC-66C6-4CEC-A5EB-F8C97CEC3796}" type="datetimeFigureOut">
               <a:rPr lang="es-MX" smtClean="0"/>
-              <a:t>27/03/2022</a:t>
+              <a:t>01/04/2022</a:t>
             </a:fld>
             <a:endParaRPr lang="es-MX" dirty="0"/>
           </a:p>
@@ -3785,7 +3785,7 @@
           <a:p>
             <a:fld id="{5E75A0DC-66C6-4CEC-A5EB-F8C97CEC3796}" type="datetimeFigureOut">
               <a:rPr lang="es-MX" smtClean="0"/>
-              <a:t>27/03/2022</a:t>
+              <a:t>01/04/2022</a:t>
             </a:fld>
             <a:endParaRPr lang="es-MX" dirty="0"/>
           </a:p>
@@ -3903,7 +3903,7 @@
           <a:p>
             <a:fld id="{5E75A0DC-66C6-4CEC-A5EB-F8C97CEC3796}" type="datetimeFigureOut">
               <a:rPr lang="es-MX" smtClean="0"/>
-              <a:t>27/03/2022</a:t>
+              <a:t>01/04/2022</a:t>
             </a:fld>
             <a:endParaRPr lang="es-MX" dirty="0"/>
           </a:p>
@@ -3998,7 +3998,7 @@
           <a:p>
             <a:fld id="{5E75A0DC-66C6-4CEC-A5EB-F8C97CEC3796}" type="datetimeFigureOut">
               <a:rPr lang="es-MX" smtClean="0"/>
-              <a:t>27/03/2022</a:t>
+              <a:t>01/04/2022</a:t>
             </a:fld>
             <a:endParaRPr lang="es-MX" dirty="0"/>
           </a:p>
@@ -4275,7 +4275,7 @@
           <a:p>
             <a:fld id="{5E75A0DC-66C6-4CEC-A5EB-F8C97CEC3796}" type="datetimeFigureOut">
               <a:rPr lang="es-MX" smtClean="0"/>
-              <a:t>27/03/2022</a:t>
+              <a:t>01/04/2022</a:t>
             </a:fld>
             <a:endParaRPr lang="es-MX" dirty="0"/>
           </a:p>
@@ -4528,7 +4528,7 @@
           <a:p>
             <a:fld id="{5E75A0DC-66C6-4CEC-A5EB-F8C97CEC3796}" type="datetimeFigureOut">
               <a:rPr lang="es-MX" smtClean="0"/>
-              <a:t>27/03/2022</a:t>
+              <a:t>01/04/2022</a:t>
             </a:fld>
             <a:endParaRPr lang="es-MX" dirty="0"/>
           </a:p>
@@ -4741,7 +4741,7 @@
           <a:p>
             <a:fld id="{5E75A0DC-66C6-4CEC-A5EB-F8C97CEC3796}" type="datetimeFigureOut">
               <a:rPr lang="es-MX" smtClean="0"/>
-              <a:t>27/03/2022</a:t>
+              <a:t>01/04/2022</a:t>
             </a:fld>
             <a:endParaRPr lang="es-MX" dirty="0"/>
           </a:p>
@@ -19076,8 +19076,38 @@
         </p:blipFill>
         <p:spPr>
           <a:xfrm>
-            <a:off x="647483" y="4202244"/>
-            <a:ext cx="8065218" cy="1525550"/>
+            <a:off x="1156507" y="5405702"/>
+            <a:ext cx="6299969" cy="1191650"/>
+          </a:xfrm>
+          <a:prstGeom prst="rect">
+            <a:avLst/>
+          </a:prstGeom>
+        </p:spPr>
+      </p:pic>
+      <p:pic>
+        <p:nvPicPr>
+          <p:cNvPr id="8" name="Imagen 7">
+            <a:extLst>
+              <a:ext uri="{FF2B5EF4-FFF2-40B4-BE49-F238E27FC236}">
+                <a16:creationId xmlns:a16="http://schemas.microsoft.com/office/drawing/2014/main" id="{6B8FAC53-2BF0-4A21-A04E-649478270E94}"/>
+              </a:ext>
+            </a:extLst>
+          </p:cNvPr>
+          <p:cNvPicPr>
+            <a:picLocks noChangeAspect="1"/>
+          </p:cNvPicPr>
+          <p:nvPr/>
+        </p:nvPicPr>
+        <p:blipFill>
+          <a:blip r:embed="rId4"/>
+          <a:stretch>
+            <a:fillRect/>
+          </a:stretch>
+        </p:blipFill>
+        <p:spPr>
+          <a:xfrm>
+            <a:off x="2627784" y="3032356"/>
+            <a:ext cx="5688632" cy="2267588"/>
           </a:xfrm>
           <a:prstGeom prst="rect">
             <a:avLst/>
@@ -19772,58 +19802,58 @@
             <a:r>
               <a:rPr lang="es-MX" sz="1400" b="1" dirty="0">
                 <a:solidFill>
+                  <a:schemeClr val="accent6">
+                    <a:lumMod val="75000"/>
+                  </a:schemeClr>
+                </a:solidFill>
+              </a:rPr>
+              <a:t>3 </a:t>
+            </a:r>
+            <a:r>
+              <a:rPr lang="es-MX" sz="1400" b="1" dirty="0" err="1">
+                <a:solidFill>
+                  <a:schemeClr val="accent6">
+                    <a:lumMod val="75000"/>
+                  </a:schemeClr>
+                </a:solidFill>
+              </a:rPr>
+              <a:t>Khz</a:t>
+            </a:r>
+            <a:r>
+              <a:rPr lang="es-MX" sz="1400" b="1" dirty="0">
+                <a:solidFill>
+                  <a:schemeClr val="accent6">
+                    <a:lumMod val="75000"/>
+                  </a:schemeClr>
+                </a:solidFill>
+              </a:rPr>
+              <a:t> </a:t>
+            </a:r>
+            <a:r>
+              <a:rPr lang="es-MX" sz="1400" dirty="0">
+                <a:solidFill>
                   <a:schemeClr val="bg2">
                     <a:lumMod val="25000"/>
                   </a:schemeClr>
                 </a:solidFill>
               </a:rPr>
-              <a:t>3 </a:t>
+              <a:t>y los </a:t>
+            </a:r>
+            <a:r>
+              <a:rPr lang="es-MX" sz="1400" b="1" dirty="0">
+                <a:solidFill>
+                  <a:schemeClr val="accent6">
+                    <a:lumMod val="75000"/>
+                  </a:schemeClr>
+                </a:solidFill>
+              </a:rPr>
+              <a:t>300 </a:t>
             </a:r>
             <a:r>
               <a:rPr lang="es-MX" sz="1400" b="1" dirty="0" err="1">
                 <a:solidFill>
-                  <a:schemeClr val="bg2">
-                    <a:lumMod val="25000"/>
-                  </a:schemeClr>
-                </a:solidFill>
-              </a:rPr>
-              <a:t>Khz</a:t>
-            </a:r>
-            <a:r>
-              <a:rPr lang="es-MX" sz="1400" b="1" dirty="0">
-                <a:solidFill>
-                  <a:schemeClr val="bg2">
-                    <a:lumMod val="25000"/>
-                  </a:schemeClr>
-                </a:solidFill>
-              </a:rPr>
-              <a:t> </a:t>
-            </a:r>
-            <a:r>
-              <a:rPr lang="es-MX" sz="1400" dirty="0">
-                <a:solidFill>
-                  <a:schemeClr val="bg2">
-                    <a:lumMod val="25000"/>
-                  </a:schemeClr>
-                </a:solidFill>
-              </a:rPr>
-              <a:t>y los </a:t>
-            </a:r>
-            <a:r>
-              <a:rPr lang="es-MX" sz="1400" b="1" dirty="0">
-                <a:solidFill>
-                  <a:schemeClr val="bg2">
-                    <a:lumMod val="25000"/>
-                  </a:schemeClr>
-                </a:solidFill>
-              </a:rPr>
-              <a:t>300 </a:t>
-            </a:r>
-            <a:r>
-              <a:rPr lang="es-MX" sz="1400" b="1" dirty="0" err="1">
-                <a:solidFill>
-                  <a:schemeClr val="bg2">
-                    <a:lumMod val="25000"/>
+                  <a:schemeClr val="accent6">
+                    <a:lumMod val="75000"/>
                   </a:schemeClr>
                 </a:solidFill>
               </a:rPr>
@@ -21261,38 +21291,38 @@
             <a:r>
               <a:rPr lang="es-ES" sz="1400" b="1" dirty="0">
                 <a:solidFill>
+                  <a:schemeClr val="accent6">
+                    <a:lumMod val="75000"/>
+                  </a:schemeClr>
+                </a:solidFill>
+              </a:rPr>
+              <a:t>3</a:t>
+            </a:r>
+            <a:r>
+              <a:rPr lang="es-ES" sz="1400" dirty="0">
+                <a:solidFill>
                   <a:schemeClr val="bg2">
                     <a:lumMod val="25000"/>
                   </a:schemeClr>
                 </a:solidFill>
               </a:rPr>
-              <a:t>3</a:t>
-            </a:r>
-            <a:r>
-              <a:rPr lang="es-ES" sz="1400" dirty="0">
-                <a:solidFill>
-                  <a:schemeClr val="bg2">
-                    <a:lumMod val="25000"/>
+              <a:t> y los </a:t>
+            </a:r>
+            <a:r>
+              <a:rPr lang="es-ES" sz="1400" b="1" dirty="0">
+                <a:solidFill>
+                  <a:schemeClr val="accent6">
+                    <a:lumMod val="75000"/>
                   </a:schemeClr>
                 </a:solidFill>
               </a:rPr>
-              <a:t> y los </a:t>
-            </a:r>
-            <a:r>
-              <a:rPr lang="es-ES" sz="1400" b="1" dirty="0">
-                <a:solidFill>
-                  <a:schemeClr val="bg2">
-                    <a:lumMod val="25000"/>
-                  </a:schemeClr>
-                </a:solidFill>
-              </a:rPr>
               <a:t>30 </a:t>
             </a:r>
             <a:r>
               <a:rPr lang="es-ES" sz="1400" b="1" dirty="0" err="1">
                 <a:solidFill>
-                  <a:schemeClr val="bg2">
-                    <a:lumMod val="25000"/>
+                  <a:schemeClr val="accent6">
+                    <a:lumMod val="75000"/>
                   </a:schemeClr>
                 </a:solidFill>
               </a:rPr>
@@ -21345,7 +21375,7 @@
             <a:r>
               <a:rPr lang="es-ES" sz="1400" b="1" dirty="0">
                 <a:solidFill>
-                  <a:schemeClr val="accent6">
+                  <a:schemeClr val="accent5">
                     <a:lumMod val="75000"/>
                   </a:schemeClr>
                 </a:solidFill>
@@ -21367,7 +21397,7 @@
             <a:r>
               <a:rPr lang="es-ES" sz="1400" b="1" dirty="0">
                 <a:solidFill>
-                  <a:schemeClr val="accent6">
+                  <a:schemeClr val="accent5">
                     <a:lumMod val="75000"/>
                   </a:schemeClr>
                 </a:solidFill>
@@ -21389,7 +21419,7 @@
             <a:r>
               <a:rPr lang="es-ES" sz="1400" b="1" dirty="0">
                 <a:solidFill>
-                  <a:schemeClr val="accent6">
+                  <a:schemeClr val="accent5">
                     <a:lumMod val="75000"/>
                   </a:schemeClr>
                 </a:solidFill>
@@ -21398,7 +21428,7 @@
             </a:r>
             <a:endParaRPr lang="es-MX" sz="1400" b="1" dirty="0">
               <a:solidFill>
-                <a:schemeClr val="accent6">
+                <a:schemeClr val="accent5">
                   <a:lumMod val="75000"/>
                 </a:schemeClr>
               </a:solidFill>
